--- a/cse106/slides/4.Sets.pptx
+++ b/cse106/slides/4.Sets.pptx
@@ -36,6 +36,7 @@
     <p:sldId id="292" r:id="rId30"/>
     <p:sldId id="293" r:id="rId31"/>
     <p:sldId id="294" r:id="rId32"/>
+    <p:sldId id="312" r:id="rId33"/>
   </p:sldIdLst>
   <p:sldSz cx="12192000" cy="6858000"/>
   <p:notesSz cx="6858000" cy="9144000"/>
@@ -1088,165 +1089,6 @@
       <dsp:cNvGrpSpPr/>
     </dsp:nvGrpSpPr>
     <dsp:grpSpPr/>
-    <dsp:sp modelId="{49A46638-913F-4FBA-BBFA-CB27A00A4631}">
-      <dsp:nvSpPr>
-        <dsp:cNvPr id="0" name=""/>
-        <dsp:cNvSpPr/>
-      </dsp:nvSpPr>
-      <dsp:spPr>
-        <a:xfrm>
-          <a:off x="397782" y="244"/>
-          <a:ext cx="1681848" cy="1681848"/>
-        </a:xfrm>
-        <a:prstGeom prst="ellipse">
-          <a:avLst/>
-        </a:prstGeom>
-        <a:solidFill>
-          <a:srgbClr val="00B0F0">
-            <a:alpha val="50000"/>
-          </a:srgbClr>
-        </a:solidFill>
-        <a:ln w="12700" cap="flat" cmpd="sng" algn="ctr">
-          <a:solidFill>
-            <a:schemeClr val="lt1">
-              <a:hueOff val="0"/>
-              <a:satOff val="0"/>
-              <a:lumOff val="0"/>
-              <a:alphaOff val="0"/>
-            </a:schemeClr>
-          </a:solidFill>
-          <a:prstDash val="solid"/>
-          <a:miter lim="800000"/>
-        </a:ln>
-        <a:effectLst/>
-      </dsp:spPr>
-      <dsp:style>
-        <a:lnRef idx="2">
-          <a:scrgbClr r="0" g="0" b="0"/>
-        </a:lnRef>
-        <a:fillRef idx="1">
-          <a:scrgbClr r="0" g="0" b="0"/>
-        </a:fillRef>
-        <a:effectRef idx="0">
-          <a:scrgbClr r="0" g="0" b="0"/>
-        </a:effectRef>
-        <a:fontRef idx="minor">
-          <a:schemeClr val="tx1"/>
-        </a:fontRef>
-      </dsp:style>
-      <dsp:txBody>
-        <a:bodyPr spcFirstLastPara="0" vert="horz" wrap="square" lIns="92558" tIns="30480" rIns="92558" bIns="30480" numCol="1" spcCol="1270" anchor="ctr" anchorCtr="0">
-          <a:noAutofit/>
-        </a:bodyPr>
-        <a:lstStyle/>
-        <a:p>
-          <a:pPr lvl="0" algn="ctr" defTabSz="1066800">
-            <a:lnSpc>
-              <a:spcPct val="90000"/>
-            </a:lnSpc>
-            <a:spcBef>
-              <a:spcPct val="0"/>
-            </a:spcBef>
-            <a:spcAft>
-              <a:spcPct val="35000"/>
-            </a:spcAft>
-          </a:pPr>
-          <a:r>
-            <a:rPr lang="en-US" sz="2400" kern="1200" dirty="0" smtClean="0">
-              <a:latin typeface="Comic Sans MS" panose="030F0702030302020204" pitchFamily="66" charset="0"/>
-            </a:rPr>
-            <a:t>A</a:t>
-          </a:r>
-          <a:endParaRPr lang="en-US" sz="2400" kern="1200" dirty="0">
-            <a:latin typeface="Comic Sans MS" panose="030F0702030302020204" pitchFamily="66" charset="0"/>
-          </a:endParaRPr>
-        </a:p>
-      </dsp:txBody>
-      <dsp:txXfrm>
-        <a:off x="644083" y="246545"/>
-        <a:ext cx="1189246" cy="1189246"/>
-      </dsp:txXfrm>
-    </dsp:sp>
-    <dsp:sp modelId="{748439EE-1508-49CC-A661-AB86A6325E40}">
-      <dsp:nvSpPr>
-        <dsp:cNvPr id="0" name=""/>
-        <dsp:cNvSpPr/>
-      </dsp:nvSpPr>
-      <dsp:spPr>
-        <a:xfrm>
-          <a:off x="1538542" y="0"/>
-          <a:ext cx="1681848" cy="1681848"/>
-        </a:xfrm>
-        <a:prstGeom prst="ellipse">
-          <a:avLst/>
-        </a:prstGeom>
-        <a:solidFill>
-          <a:schemeClr val="accent1">
-            <a:lumMod val="75000"/>
-            <a:alpha val="50000"/>
-          </a:schemeClr>
-        </a:solidFill>
-        <a:ln w="12700" cap="flat" cmpd="sng" algn="ctr">
-          <a:solidFill>
-            <a:schemeClr val="lt1">
-              <a:hueOff val="0"/>
-              <a:satOff val="0"/>
-              <a:lumOff val="0"/>
-              <a:alphaOff val="0"/>
-            </a:schemeClr>
-          </a:solidFill>
-          <a:prstDash val="solid"/>
-          <a:miter lim="800000"/>
-        </a:ln>
-        <a:effectLst/>
-      </dsp:spPr>
-      <dsp:style>
-        <a:lnRef idx="2">
-          <a:scrgbClr r="0" g="0" b="0"/>
-        </a:lnRef>
-        <a:fillRef idx="1">
-          <a:scrgbClr r="0" g="0" b="0"/>
-        </a:fillRef>
-        <a:effectRef idx="0">
-          <a:scrgbClr r="0" g="0" b="0"/>
-        </a:effectRef>
-        <a:fontRef idx="minor">
-          <a:schemeClr val="tx1"/>
-        </a:fontRef>
-      </dsp:style>
-      <dsp:txBody>
-        <a:bodyPr spcFirstLastPara="0" vert="horz" wrap="square" lIns="92558" tIns="30480" rIns="92558" bIns="30480" numCol="1" spcCol="1270" anchor="ctr" anchorCtr="0">
-          <a:noAutofit/>
-        </a:bodyPr>
-        <a:lstStyle/>
-        <a:p>
-          <a:pPr lvl="0" algn="ctr" defTabSz="1066800">
-            <a:lnSpc>
-              <a:spcPct val="90000"/>
-            </a:lnSpc>
-            <a:spcBef>
-              <a:spcPct val="0"/>
-            </a:spcBef>
-            <a:spcAft>
-              <a:spcPct val="35000"/>
-            </a:spcAft>
-          </a:pPr>
-          <a:r>
-            <a:rPr lang="en-US" sz="2400" kern="1200" dirty="0" smtClean="0">
-              <a:latin typeface="Comic Sans MS" panose="030F0702030302020204" pitchFamily="66" charset="0"/>
-            </a:rPr>
-            <a:t>B</a:t>
-          </a:r>
-          <a:endParaRPr lang="en-US" sz="2400" kern="1200" dirty="0">
-            <a:latin typeface="Comic Sans MS" panose="030F0702030302020204" pitchFamily="66" charset="0"/>
-          </a:endParaRPr>
-        </a:p>
-      </dsp:txBody>
-      <dsp:txXfrm>
-        <a:off x="1784843" y="246301"/>
-        <a:ext cx="1189246" cy="1189246"/>
-      </dsp:txXfrm>
-    </dsp:sp>
   </dsp:spTree>
 </dsp:drawing>
 </file>
@@ -2568,7 +2410,7 @@
           <a:p>
             <a:fld id="{072FDDB4-F553-424D-81C5-266A1B530A90}" type="datetimeFigureOut">
               <a:rPr lang="en-US" smtClean="0"/>
-              <a:t>8/4/2020</a:t>
+              <a:t>8/13/2020</a:t>
             </a:fld>
             <a:endParaRPr lang="en-US"/>
           </a:p>
@@ -2766,7 +2608,7 @@
           <a:p>
             <a:fld id="{072FDDB4-F553-424D-81C5-266A1B530A90}" type="datetimeFigureOut">
               <a:rPr lang="en-US" smtClean="0"/>
-              <a:t>8/4/2020</a:t>
+              <a:t>8/13/2020</a:t>
             </a:fld>
             <a:endParaRPr lang="en-US"/>
           </a:p>
@@ -2974,7 +2816,7 @@
           <a:p>
             <a:fld id="{072FDDB4-F553-424D-81C5-266A1B530A90}" type="datetimeFigureOut">
               <a:rPr lang="en-US" smtClean="0"/>
-              <a:t>8/4/2020</a:t>
+              <a:t>8/13/2020</a:t>
             </a:fld>
             <a:endParaRPr lang="en-US"/>
           </a:p>
@@ -3172,7 +3014,7 @@
           <a:p>
             <a:fld id="{072FDDB4-F553-424D-81C5-266A1B530A90}" type="datetimeFigureOut">
               <a:rPr lang="en-US" smtClean="0"/>
-              <a:t>8/4/2020</a:t>
+              <a:t>8/13/2020</a:t>
             </a:fld>
             <a:endParaRPr lang="en-US"/>
           </a:p>
@@ -3447,7 +3289,7 @@
           <a:p>
             <a:fld id="{072FDDB4-F553-424D-81C5-266A1B530A90}" type="datetimeFigureOut">
               <a:rPr lang="en-US" smtClean="0"/>
-              <a:t>8/4/2020</a:t>
+              <a:t>8/13/2020</a:t>
             </a:fld>
             <a:endParaRPr lang="en-US"/>
           </a:p>
@@ -3712,7 +3554,7 @@
           <a:p>
             <a:fld id="{072FDDB4-F553-424D-81C5-266A1B530A90}" type="datetimeFigureOut">
               <a:rPr lang="en-US" smtClean="0"/>
-              <a:t>8/4/2020</a:t>
+              <a:t>8/13/2020</a:t>
             </a:fld>
             <a:endParaRPr lang="en-US"/>
           </a:p>
@@ -4124,7 +3966,7 @@
           <a:p>
             <a:fld id="{072FDDB4-F553-424D-81C5-266A1B530A90}" type="datetimeFigureOut">
               <a:rPr lang="en-US" smtClean="0"/>
-              <a:t>8/4/2020</a:t>
+              <a:t>8/13/2020</a:t>
             </a:fld>
             <a:endParaRPr lang="en-US"/>
           </a:p>
@@ -4265,7 +4107,7 @@
           <a:p>
             <a:fld id="{072FDDB4-F553-424D-81C5-266A1B530A90}" type="datetimeFigureOut">
               <a:rPr lang="en-US" smtClean="0"/>
-              <a:t>8/4/2020</a:t>
+              <a:t>8/13/2020</a:t>
             </a:fld>
             <a:endParaRPr lang="en-US"/>
           </a:p>
@@ -4378,7 +4220,7 @@
           <a:p>
             <a:fld id="{072FDDB4-F553-424D-81C5-266A1B530A90}" type="datetimeFigureOut">
               <a:rPr lang="en-US" smtClean="0"/>
-              <a:t>8/4/2020</a:t>
+              <a:t>8/13/2020</a:t>
             </a:fld>
             <a:endParaRPr lang="en-US"/>
           </a:p>
@@ -4689,7 +4531,7 @@
           <a:p>
             <a:fld id="{072FDDB4-F553-424D-81C5-266A1B530A90}" type="datetimeFigureOut">
               <a:rPr lang="en-US" smtClean="0"/>
-              <a:t>8/4/2020</a:t>
+              <a:t>8/13/2020</a:t>
             </a:fld>
             <a:endParaRPr lang="en-US"/>
           </a:p>
@@ -4977,7 +4819,7 @@
           <a:p>
             <a:fld id="{072FDDB4-F553-424D-81C5-266A1B530A90}" type="datetimeFigureOut">
               <a:rPr lang="en-US" smtClean="0"/>
-              <a:t>8/4/2020</a:t>
+              <a:t>8/13/2020</a:t>
             </a:fld>
             <a:endParaRPr lang="en-US"/>
           </a:p>
@@ -5218,7 +5060,7 @@
           <a:p>
             <a:fld id="{072FDDB4-F553-424D-81C5-266A1B530A90}" type="datetimeFigureOut">
               <a:rPr lang="en-US" smtClean="0"/>
-              <a:t>8/4/2020</a:t>
+              <a:t>8/13/2020</a:t>
             </a:fld>
             <a:endParaRPr lang="en-US"/>
           </a:p>
@@ -7147,7 +6989,7 @@
             </p:spPr>
             <p:txBody>
               <a:bodyPr vert="horz" lIns="91440" tIns="45720" rIns="91440" bIns="45720" rtlCol="0">
-                <a:normAutofit lnSpcReduction="10000"/>
+                <a:normAutofit fontScale="92500" lnSpcReduction="10000"/>
               </a:bodyPr>
               <a:lstStyle>
                 <a:lvl1pPr marL="228600" indent="-228600" algn="l" defTabSz="914400" rtl="0" eaLnBrk="1" latinLnBrk="0" hangingPunct="1">
@@ -7465,7 +7307,6 @@
               </a:p>
               <a:p>
                 <a:pPr marL="0" indent="0">
-                  <a:buFont typeface="Arial" panose="020B0604020202020204" pitchFamily="34" charset="0"/>
                   <a:buNone/>
                 </a:pPr>
                 <a:r>
@@ -7475,29 +7316,20 @@
                   </a:rPr>
                   <a:t>A</a:t>
                 </a:r>
-                <a:r>
-                  <a:rPr lang="en-US" dirty="0">
-                    <a:ea typeface="Cambria Math"/>
-                  </a:rPr>
-                  <a:t> </a:t>
-                </a:r>
                 <a14:m>
                   <m:oMath xmlns:m="http://schemas.openxmlformats.org/officeDocument/2006/math">
                     <m:r>
                       <a:rPr lang="en-US" i="1">
+                        <a:solidFill>
+                          <a:schemeClr val="accent1"/>
+                        </a:solidFill>
                         <a:latin typeface="Cambria Math"/>
                         <a:ea typeface="Cambria Math"/>
                       </a:rPr>
-                      <m:t>∪</m:t>
+                      <m:t>∩</m:t>
                     </m:r>
                   </m:oMath>
                 </a14:m>
-                <a:r>
-                  <a:rPr lang="en-US" dirty="0">
-                    <a:latin typeface="Comic Sans MS" panose="030F0702030302020204" pitchFamily="66" charset="0"/>
-                  </a:rPr>
-                  <a:t> </a:t>
-                </a:r>
                 <a:r>
                   <a:rPr lang="en-US" dirty="0" smtClean="0">
                     <a:latin typeface="Comic Sans MS" pitchFamily="66" charset="0"/>
@@ -7518,7 +7350,7 @@
               <p:cNvPr id="4" name="Content Placeholder 2">
                 <a:extLst>
                   <a:ext uri="{FF2B5EF4-FFF2-40B4-BE49-F238E27FC236}">
-                    <a16:creationId xmlns="" xmlns:a16="http://schemas.microsoft.com/office/drawing/2014/main" xmlns:a14="http://schemas.microsoft.com/office/drawing/2010/main" id="{8FD3E7E3-6406-4C87-9E06-5BA40AA66E22}"/>
+                    <a16:creationId xmlns:a16="http://schemas.microsoft.com/office/drawing/2014/main" xmlns="" xmlns:a14="http://schemas.microsoft.com/office/drawing/2010/main" id="{8FD3E7E3-6406-4C87-9E06-5BA40AA66E22}"/>
                   </a:ext>
                 </a:extLst>
               </p:cNvPr>
@@ -7538,7 +7370,7 @@
               <a:blipFill rotWithShape="0">
                 <a:blip r:embed="rId2"/>
                 <a:stretch>
-                  <a:fillRect l="-2724" t="-6053" b="-7105"/>
+                  <a:fillRect l="-2335" t="-5526" b="-1316"/>
                 </a:stretch>
               </a:blipFill>
             </p:spPr>
@@ -36221,6 +36053,85 @@
 </p:sld>
 </file>
 
+<file path=ppt/slides/slide32.xml><?xml version="1.0" encoding="utf-8"?>
+<p:sld xmlns:a="http://schemas.openxmlformats.org/drawingml/2006/main" xmlns:r="http://schemas.openxmlformats.org/officeDocument/2006/relationships" xmlns:p="http://schemas.openxmlformats.org/presentationml/2006/main">
+  <p:cSld>
+    <p:spTree>
+      <p:nvGrpSpPr>
+        <p:cNvPr id="1" name=""/>
+        <p:cNvGrpSpPr/>
+        <p:nvPr/>
+      </p:nvGrpSpPr>
+      <p:grpSpPr>
+        <a:xfrm>
+          <a:off x="0" y="0"/>
+          <a:ext cx="0" cy="0"/>
+          <a:chOff x="0" y="0"/>
+          <a:chExt cx="0" cy="0"/>
+        </a:xfrm>
+      </p:grpSpPr>
+      <p:sp>
+        <p:nvSpPr>
+          <p:cNvPr id="2" name="Title 1"/>
+          <p:cNvSpPr>
+            <a:spLocks noGrp="1"/>
+          </p:cNvSpPr>
+          <p:nvPr>
+            <p:ph type="title"/>
+          </p:nvPr>
+        </p:nvSpPr>
+        <p:spPr/>
+        <p:txBody>
+          <a:bodyPr/>
+          <a:lstStyle/>
+          <a:p>
+            <a:endParaRPr lang="en-US"/>
+          </a:p>
+        </p:txBody>
+      </p:sp>
+      <p:sp>
+        <p:nvSpPr>
+          <p:cNvPr id="3" name="Content Placeholder 2"/>
+          <p:cNvSpPr>
+            <a:spLocks noGrp="1"/>
+          </p:cNvSpPr>
+          <p:nvPr>
+            <p:ph idx="1"/>
+          </p:nvPr>
+        </p:nvSpPr>
+        <p:spPr/>
+        <p:txBody>
+          <a:bodyPr/>
+          <a:lstStyle/>
+          <a:p>
+            <a:pPr marL="0" indent="0">
+              <a:buNone/>
+            </a:pPr>
+            <a:r>
+              <a:rPr lang="en-US" smtClean="0">
+                <a:latin typeface="Comic Sans MS" panose="030F0702030302020204" pitchFamily="66" charset="0"/>
+              </a:rPr>
+              <a:t>{1, 4} {2, 3, 4}</a:t>
+            </a:r>
+            <a:endParaRPr lang="en-US">
+              <a:latin typeface="Comic Sans MS" panose="030F0702030302020204" pitchFamily="66" charset="0"/>
+            </a:endParaRPr>
+          </a:p>
+        </p:txBody>
+      </p:sp>
+    </p:spTree>
+    <p:extLst>
+      <p:ext uri="{BB962C8B-B14F-4D97-AF65-F5344CB8AC3E}">
+        <p14:creationId xmlns:p14="http://schemas.microsoft.com/office/powerpoint/2010/main" val="424989381"/>
+      </p:ext>
+    </p:extLst>
+  </p:cSld>
+  <p:clrMapOvr>
+    <a:masterClrMapping/>
+  </p:clrMapOvr>
+</p:sld>
+</file>
+
 <file path=ppt/slides/slide4.xml><?xml version="1.0" encoding="utf-8"?>
 <p:sld xmlns:a="http://schemas.openxmlformats.org/drawingml/2006/main" xmlns:r="http://schemas.openxmlformats.org/officeDocument/2006/relationships" xmlns:p="http://schemas.openxmlformats.org/presentationml/2006/main">
   <p:cSld>
@@ -36934,8 +36845,8 @@
           </a:p>
         </p:txBody>
       </p:sp>
-      <mc:AlternateContent xmlns:mc="http://schemas.openxmlformats.org/markup-compatibility/2006" xmlns:a14="http://schemas.microsoft.com/office/drawing/2010/main">
-        <mc:Choice Requires="a14">
+      <mc:AlternateContent xmlns:mc="http://schemas.openxmlformats.org/markup-compatibility/2006">
+        <mc:Choice xmlns:a14="http://schemas.microsoft.com/office/drawing/2010/main" Requires="a14">
           <p:sp>
             <p:nvSpPr>
               <p:cNvPr id="3" name="Rectangle 2"/>
@@ -36981,8 +36892,17 @@
                   <a:rPr lang="en-US" sz="3600" dirty="0" smtClean="0">
                     <a:latin typeface="Comic Sans MS" panose="030F0702030302020204" pitchFamily="66" charset="0"/>
                   </a:rPr>
-                  <a:t> B : A is a subset of B</a:t>
+                  <a:t> B : A is a subset of </a:t>
                 </a:r>
+                <a:r>
+                  <a:rPr lang="en-US" sz="3600" dirty="0" smtClean="0">
+                    <a:latin typeface="Comic Sans MS" panose="030F0702030302020204" pitchFamily="66" charset="0"/>
+                  </a:rPr>
+                  <a:t>B</a:t>
+                </a:r>
+                <a:endParaRPr lang="en-US" sz="3600" dirty="0" smtClean="0">
+                  <a:latin typeface="Comic Sans MS" panose="030F0702030302020204" pitchFamily="66" charset="0"/>
+                </a:endParaRPr>
               </a:p>
               <a:p>
                 <a:endParaRPr lang="en-US" sz="3600" dirty="0" smtClean="0">
@@ -37048,7 +36968,7 @@
             </p:txBody>
           </p:sp>
         </mc:Choice>
-        <mc:Fallback xmlns="">
+        <mc:Fallback>
           <p:sp>
             <p:nvSpPr>
               <p:cNvPr id="3" name="Rectangle 2"/>
